--- a/Hackathon 2025 - slides [PowerPoint] (12-Sep-2025-2.42pm).pptx
+++ b/Hackathon 2025 - slides [PowerPoint] (12-Sep-2025-2.42pm).pptx
@@ -5,7 +5,7 @@
     <p:sldMasterId id="2147483648" r:id="rId1"/>
   </p:sldMasterIdLst>
   <p:notesMasterIdLst>
-    <p:notesMasterId r:id="rId9"/>
+    <p:notesMasterId r:id="rId10"/>
   </p:notesMasterIdLst>
   <p:sldIdLst>
     <p:sldId id="256" r:id="rId2"/>
@@ -13,26 +13,28 @@
     <p:sldId id="258" r:id="rId4"/>
     <p:sldId id="259" r:id="rId5"/>
     <p:sldId id="260" r:id="rId6"/>
-    <p:sldId id="261" r:id="rId7"/>
-    <p:sldId id="262" r:id="rId8"/>
+    <p:sldId id="263" r:id="rId7"/>
+    <p:sldId id="264" r:id="rId8"/>
+    <p:sldId id="262" r:id="rId9"/>
   </p:sldIdLst>
   <p:sldSz cx="18288000" cy="10287000"/>
   <p:notesSz cx="10287000" cy="18288000"/>
   <p:embeddedFontLst>
     <p:embeddedFont>
       <p:font typeface="DM Sans" pitchFamily="2" charset="0"/>
-      <p:regular r:id="rId10"/>
-      <p:bold r:id="rId11"/>
-      <p:italic r:id="rId12"/>
+      <p:regular r:id="rId11"/>
+      <p:bold r:id="rId12"/>
+      <p:italic r:id="rId13"/>
+      <p:boldItalic r:id="rId14"/>
     </p:embeddedFont>
     <p:embeddedFont>
       <p:font typeface="DM Sans Bold"/>
-      <p:bold r:id="rId13"/>
+      <p:bold r:id="rId15"/>
     </p:embeddedFont>
     <p:embeddedFont>
       <p:font typeface="Syne" panose="020B0604020202020204" charset="0"/>
-      <p:regular r:id="rId14"/>
-      <p:bold r:id="rId15"/>
+      <p:regular r:id="rId16"/>
+      <p:bold r:id="rId17"/>
     </p:embeddedFont>
   </p:embeddedFontLst>
   <p:defaultTextStyle>
@@ -685,7 +687,13 @@
   <p:cSld>
     <p:spTree>
       <p:nvGrpSpPr>
-        <p:cNvPr id="1" name=""/>
+        <p:cNvPr id="1" name="">
+          <a:extLst>
+            <a:ext uri="{FF2B5EF4-FFF2-40B4-BE49-F238E27FC236}">
+              <a16:creationId xmlns:a16="http://schemas.microsoft.com/office/drawing/2014/main" id="{0CC88189-9305-6165-63E0-7E993CDF7AAB}"/>
+            </a:ext>
+          </a:extLst>
+        </p:cNvPr>
         <p:cNvGrpSpPr/>
         <p:nvPr/>
       </p:nvGrpSpPr>
@@ -699,7 +707,13 @@
       </p:grpSpPr>
       <p:sp>
         <p:nvSpPr>
-          <p:cNvPr id="2" name="Slide Image Placeholder 1"/>
+          <p:cNvPr id="2" name="Slide Image Placeholder 1">
+            <a:extLst>
+              <a:ext uri="{FF2B5EF4-FFF2-40B4-BE49-F238E27FC236}">
+                <a16:creationId xmlns:a16="http://schemas.microsoft.com/office/drawing/2014/main" id="{833CD74E-0170-A2AF-D75A-9D762450FD46}"/>
+              </a:ext>
+            </a:extLst>
+          </p:cNvPr>
           <p:cNvSpPr>
             <a:spLocks noGrp="1" noRot="1" noChangeAspect="1"/>
           </p:cNvSpPr>
@@ -711,7 +725,13 @@
       </p:sp>
       <p:sp>
         <p:nvSpPr>
-          <p:cNvPr id="3" name="Notes Placeholder 2"/>
+          <p:cNvPr id="3" name="Notes Placeholder 2">
+            <a:extLst>
+              <a:ext uri="{FF2B5EF4-FFF2-40B4-BE49-F238E27FC236}">
+                <a16:creationId xmlns:a16="http://schemas.microsoft.com/office/drawing/2014/main" id="{697F5D6A-EA8B-C9E8-22E7-0932002BD7D7}"/>
+              </a:ext>
+            </a:extLst>
+          </p:cNvPr>
           <p:cNvSpPr>
             <a:spLocks noGrp="1"/>
           </p:cNvSpPr>
@@ -730,7 +750,13 @@
       </p:sp>
       <p:sp>
         <p:nvSpPr>
-          <p:cNvPr id="4" name="Slide Number Placeholder 3"/>
+          <p:cNvPr id="4" name="Slide Number Placeholder 3">
+            <a:extLst>
+              <a:ext uri="{FF2B5EF4-FFF2-40B4-BE49-F238E27FC236}">
+                <a16:creationId xmlns:a16="http://schemas.microsoft.com/office/drawing/2014/main" id="{36A314B2-23B3-D379-20B5-C80554A172AB}"/>
+              </a:ext>
+            </a:extLst>
+          </p:cNvPr>
           <p:cNvSpPr>
             <a:spLocks noGrp="1"/>
           </p:cNvSpPr>
@@ -754,7 +780,7 @@
     </p:spTree>
     <p:extLst>
       <p:ext uri="{BB962C8B-B14F-4D97-AF65-F5344CB8AC3E}">
-        <p14:creationId xmlns:p14="http://schemas.microsoft.com/office/powerpoint/2010/main" val="1024086991"/>
+        <p14:creationId xmlns:p14="http://schemas.microsoft.com/office/powerpoint/2010/main" val="2575086865"/>
       </p:ext>
     </p:extLst>
   </p:cSld>
@@ -765,6 +791,114 @@
 </file>
 
 <file path=ppt/notesSlides/notesSlide7.xml><?xml version="1.0" encoding="utf-8"?>
+<p:notes xmlns:a="http://schemas.openxmlformats.org/drawingml/2006/main" xmlns:r="http://schemas.openxmlformats.org/officeDocument/2006/relationships" xmlns:p="http://schemas.openxmlformats.org/presentationml/2006/main">
+  <p:cSld>
+    <p:spTree>
+      <p:nvGrpSpPr>
+        <p:cNvPr id="1" name="">
+          <a:extLst>
+            <a:ext uri="{FF2B5EF4-FFF2-40B4-BE49-F238E27FC236}">
+              <a16:creationId xmlns:a16="http://schemas.microsoft.com/office/drawing/2014/main" id="{4EA320BB-D954-6768-B38F-017AF72DE628}"/>
+            </a:ext>
+          </a:extLst>
+        </p:cNvPr>
+        <p:cNvGrpSpPr/>
+        <p:nvPr/>
+      </p:nvGrpSpPr>
+      <p:grpSpPr>
+        <a:xfrm>
+          <a:off x="0" y="0"/>
+          <a:ext cx="0" cy="0"/>
+          <a:chOff x="0" y="0"/>
+          <a:chExt cx="0" cy="0"/>
+        </a:xfrm>
+      </p:grpSpPr>
+      <p:sp>
+        <p:nvSpPr>
+          <p:cNvPr id="2" name="Slide Image Placeholder 1">
+            <a:extLst>
+              <a:ext uri="{FF2B5EF4-FFF2-40B4-BE49-F238E27FC236}">
+                <a16:creationId xmlns:a16="http://schemas.microsoft.com/office/drawing/2014/main" id="{62232997-98F2-5955-33DC-B0D6ED448109}"/>
+              </a:ext>
+            </a:extLst>
+          </p:cNvPr>
+          <p:cNvSpPr>
+            <a:spLocks noGrp="1" noRot="1" noChangeAspect="1"/>
+          </p:cNvSpPr>
+          <p:nvPr>
+            <p:ph type="sldImg"/>
+          </p:nvPr>
+        </p:nvSpPr>
+        <p:spPr/>
+      </p:sp>
+      <p:sp>
+        <p:nvSpPr>
+          <p:cNvPr id="3" name="Notes Placeholder 2">
+            <a:extLst>
+              <a:ext uri="{FF2B5EF4-FFF2-40B4-BE49-F238E27FC236}">
+                <a16:creationId xmlns:a16="http://schemas.microsoft.com/office/drawing/2014/main" id="{09ECB3F0-D58E-B4C1-2DAC-61A7AB06B8D0}"/>
+              </a:ext>
+            </a:extLst>
+          </p:cNvPr>
+          <p:cNvSpPr>
+            <a:spLocks noGrp="1"/>
+          </p:cNvSpPr>
+          <p:nvPr>
+            <p:ph type="body" idx="1"/>
+          </p:nvPr>
+        </p:nvSpPr>
+        <p:spPr/>
+        <p:txBody>
+          <a:bodyPr/>
+          <a:lstStyle/>
+          <a:p>
+            <a:endParaRPr lang="en-US" dirty="0"/>
+          </a:p>
+        </p:txBody>
+      </p:sp>
+      <p:sp>
+        <p:nvSpPr>
+          <p:cNvPr id="4" name="Slide Number Placeholder 3">
+            <a:extLst>
+              <a:ext uri="{FF2B5EF4-FFF2-40B4-BE49-F238E27FC236}">
+                <a16:creationId xmlns:a16="http://schemas.microsoft.com/office/drawing/2014/main" id="{1554A21B-E696-F787-3C68-A04638DACEB8}"/>
+              </a:ext>
+            </a:extLst>
+          </p:cNvPr>
+          <p:cNvSpPr>
+            <a:spLocks noGrp="1"/>
+          </p:cNvSpPr>
+          <p:nvPr>
+            <p:ph type="sldNum" sz="quarter" idx="10"/>
+          </p:nvPr>
+        </p:nvSpPr>
+        <p:spPr/>
+        <p:txBody>
+          <a:bodyPr/>
+          <a:lstStyle/>
+          <a:p>
+            <a:fld id="{F7021451-1387-4CA6-816F-3879F97B5CBC}" type="slidenum">
+              <a:rPr lang="en-US"/>
+              <a:t>7</a:t>
+            </a:fld>
+            <a:endParaRPr lang="en-US"/>
+          </a:p>
+        </p:txBody>
+      </p:sp>
+    </p:spTree>
+    <p:extLst>
+      <p:ext uri="{BB962C8B-B14F-4D97-AF65-F5344CB8AC3E}">
+        <p14:creationId xmlns:p14="http://schemas.microsoft.com/office/powerpoint/2010/main" val="1643919745"/>
+      </p:ext>
+    </p:extLst>
+  </p:cSld>
+  <p:clrMapOvr>
+    <a:masterClrMapping/>
+  </p:clrMapOvr>
+</p:notes>
+</file>
+
+<file path=ppt/notesSlides/notesSlide8.xml><?xml version="1.0" encoding="utf-8"?>
 <p:notes xmlns:a="http://schemas.openxmlformats.org/drawingml/2006/main" xmlns:r="http://schemas.openxmlformats.org/officeDocument/2006/relationships" xmlns:p="http://schemas.openxmlformats.org/presentationml/2006/main">
   <p:cSld>
     <p:spTree>
@@ -829,7 +963,7 @@
           <a:p>
             <a:fld id="{F7021451-1387-4CA6-816F-3879F97B5CBC}" type="slidenum">
               <a:rPr lang="en-US"/>
-              <a:t>7</a:t>
+              <a:t>8</a:t>
             </a:fld>
             <a:endParaRPr lang="en-US"/>
           </a:p>
@@ -1502,7 +1636,7 @@
                 <a:ea typeface="Inter Bold" pitchFamily="34" charset="-122"/>
                 <a:cs typeface="Inter Bold" pitchFamily="34" charset="-120"/>
               </a:rPr>
-              <a:t>[8:00 - 9:00]</a:t>
+              <a:t>[9:00 – 9:30]</a:t>
             </a:r>
             <a:endParaRPr lang="en-US" sz="2700" dirty="0"/>
           </a:p>
@@ -1588,7 +1722,7 @@
                 <a:ea typeface="Inter Bold" pitchFamily="34" charset="-122"/>
                 <a:cs typeface="Inter Bold" pitchFamily="34" charset="-120"/>
               </a:rPr>
-              <a:t>[8:00 - 9:00]</a:t>
+              <a:t>[9:30 - 10:00]</a:t>
             </a:r>
             <a:endParaRPr lang="en-US" sz="2700" dirty="0"/>
           </a:p>
@@ -1672,7 +1806,7 @@
                 <a:ea typeface="Inter Bold" pitchFamily="34" charset="-122"/>
                 <a:cs typeface="Inter Bold" pitchFamily="34" charset="-120"/>
               </a:rPr>
-              <a:t>[8:00 - 9:00]</a:t>
+              <a:t>[10:00 – 10:30]</a:t>
             </a:r>
             <a:endParaRPr lang="en-US" sz="2700" dirty="0"/>
           </a:p>
@@ -1756,7 +1890,7 @@
                 <a:ea typeface="Inter Bold" pitchFamily="34" charset="-122"/>
                 <a:cs typeface="Inter Bold" pitchFamily="34" charset="-120"/>
               </a:rPr>
-              <a:t>[8:00 - 9:00]</a:t>
+              <a:t>[10:30 - 12:30]</a:t>
             </a:r>
             <a:endParaRPr lang="en-US" sz="2700" dirty="0"/>
           </a:p>
@@ -1840,7 +1974,7 @@
                 <a:ea typeface="Inter Bold" pitchFamily="34" charset="-122"/>
                 <a:cs typeface="Inter Bold" pitchFamily="34" charset="-120"/>
               </a:rPr>
-              <a:t>[8:00 - 9:00]</a:t>
+              <a:t>[12:30 - 1:30]</a:t>
             </a:r>
             <a:endParaRPr lang="en-US" sz="2700" dirty="0"/>
           </a:p>
@@ -1924,7 +2058,7 @@
                 <a:ea typeface="Inter Bold" pitchFamily="34" charset="-122"/>
                 <a:cs typeface="Inter Bold" pitchFamily="34" charset="-120"/>
               </a:rPr>
-              <a:t>[8:00 - 9:00]</a:t>
+              <a:t>[1:30 - 4:45]</a:t>
             </a:r>
             <a:endParaRPr lang="en-US" sz="2700" dirty="0"/>
           </a:p>
@@ -2008,7 +2142,7 @@
                 <a:ea typeface="Inter Bold" pitchFamily="34" charset="-122"/>
                 <a:cs typeface="Inter Bold" pitchFamily="34" charset="-120"/>
               </a:rPr>
-              <a:t>[8:00 - 9:00]</a:t>
+              <a:t>[4:45 - 5:25]</a:t>
             </a:r>
             <a:endParaRPr lang="en-US" sz="2700" dirty="0"/>
           </a:p>
@@ -2092,7 +2226,7 @@
                 <a:ea typeface="Inter Bold" pitchFamily="34" charset="-122"/>
                 <a:cs typeface="Inter Bold" pitchFamily="34" charset="-120"/>
               </a:rPr>
-              <a:t>[8:00 - 9:00]</a:t>
+              <a:t>[5:25 - 5:30]</a:t>
             </a:r>
             <a:endParaRPr lang="en-US" sz="2700" dirty="0"/>
           </a:p>
@@ -2769,7 +2903,7 @@
         </p:nvSpPr>
         <p:spPr>
           <a:xfrm>
-            <a:off x="1609725" y="1209675"/>
+            <a:off x="1287753" y="4403636"/>
             <a:ext cx="15078075" cy="1095375"/>
           </a:xfrm>
           <a:prstGeom prst="rect">
@@ -2813,10 +2947,16 @@
 
 <file path=ppt/slides/slide6.xml><?xml version="1.0" encoding="utf-8"?>
 <p:sld xmlns:a="http://schemas.openxmlformats.org/drawingml/2006/main" xmlns:r="http://schemas.openxmlformats.org/officeDocument/2006/relationships" xmlns:p="http://schemas.openxmlformats.org/presentationml/2006/main">
-  <p:cSld name="Slide 6">
+  <p:cSld>
     <p:spTree>
       <p:nvGrpSpPr>
-        <p:cNvPr id="1" name=""/>
+        <p:cNvPr id="1" name="">
+          <a:extLst>
+            <a:ext uri="{FF2B5EF4-FFF2-40B4-BE49-F238E27FC236}">
+              <a16:creationId xmlns:a16="http://schemas.microsoft.com/office/drawing/2014/main" id="{AF022314-4BFF-7E58-1B67-02766D63BE07}"/>
+            </a:ext>
+          </a:extLst>
+        </p:cNvPr>
         <p:cNvGrpSpPr/>
         <p:nvPr/>
       </p:nvGrpSpPr>
@@ -2830,7 +2970,13 @@
       </p:grpSpPr>
       <p:pic>
         <p:nvPicPr>
-          <p:cNvPr id="2" name="6" descr="preencoded.png"/>
+          <p:cNvPr id="2" name="6" descr="preencoded.png">
+            <a:extLst>
+              <a:ext uri="{FF2B5EF4-FFF2-40B4-BE49-F238E27FC236}">
+                <a16:creationId xmlns:a16="http://schemas.microsoft.com/office/drawing/2014/main" id="{3E8D631D-86BA-2A21-5AFD-316983AED651}"/>
+              </a:ext>
+            </a:extLst>
+          </p:cNvPr>
           <p:cNvPicPr>
             <a:picLocks noChangeAspect="1"/>
           </p:cNvPicPr>
@@ -2853,7 +2999,13 @@
       </p:pic>
       <p:pic>
         <p:nvPicPr>
-          <p:cNvPr id="3" name="Layout" descr="preencoded.png"/>
+          <p:cNvPr id="3" name="Layout" descr="preencoded.png">
+            <a:extLst>
+              <a:ext uri="{FF2B5EF4-FFF2-40B4-BE49-F238E27FC236}">
+                <a16:creationId xmlns:a16="http://schemas.microsoft.com/office/drawing/2014/main" id="{8F71DA14-9384-A99E-1A4F-BD3ED18CE256}"/>
+              </a:ext>
+            </a:extLst>
+          </p:cNvPr>
           <p:cNvPicPr>
             <a:picLocks noChangeAspect="1"/>
           </p:cNvPicPr>
@@ -2882,7 +3034,13 @@
       </p:pic>
       <p:pic>
         <p:nvPicPr>
-          <p:cNvPr id="4" name="pixelarticons:checkbox" descr="preencoded.png"/>
+          <p:cNvPr id="4" name="pixelarticons:checkbox" descr="preencoded.png">
+            <a:extLst>
+              <a:ext uri="{FF2B5EF4-FFF2-40B4-BE49-F238E27FC236}">
+                <a16:creationId xmlns:a16="http://schemas.microsoft.com/office/drawing/2014/main" id="{7629FE3C-B3D2-4393-19E4-0089E9D65ACF}"/>
+              </a:ext>
+            </a:extLst>
+          </p:cNvPr>
           <p:cNvPicPr>
             <a:picLocks noChangeAspect="1"/>
           </p:cNvPicPr>
@@ -2911,7 +3069,13 @@
       </p:pic>
       <p:pic>
         <p:nvPicPr>
-          <p:cNvPr id="5" name="pixelarticons:checkbox" descr="preencoded.png"/>
+          <p:cNvPr id="5" name="pixelarticons:checkbox" descr="preencoded.png">
+            <a:extLst>
+              <a:ext uri="{FF2B5EF4-FFF2-40B4-BE49-F238E27FC236}">
+                <a16:creationId xmlns:a16="http://schemas.microsoft.com/office/drawing/2014/main" id="{83B235BF-8BED-A779-6BE0-4FE587437BE9}"/>
+              </a:ext>
+            </a:extLst>
+          </p:cNvPr>
           <p:cNvPicPr>
             <a:picLocks noChangeAspect="1"/>
           </p:cNvPicPr>
@@ -2940,7 +3104,13 @@
       </p:pic>
       <p:pic>
         <p:nvPicPr>
-          <p:cNvPr id="6" name="NewOrbit shapes - abstract orbits 1" descr="preencoded.png"/>
+          <p:cNvPr id="6" name="NewOrbit shapes - abstract orbits 1" descr="preencoded.png">
+            <a:extLst>
+              <a:ext uri="{FF2B5EF4-FFF2-40B4-BE49-F238E27FC236}">
+                <a16:creationId xmlns:a16="http://schemas.microsoft.com/office/drawing/2014/main" id="{262C8A34-A72B-2EAB-3255-D8FF3405D246}"/>
+              </a:ext>
+            </a:extLst>
+          </p:cNvPr>
           <p:cNvPicPr>
             <a:picLocks noChangeAspect="1"/>
           </p:cNvPicPr>
@@ -2963,7 +3133,13 @@
       </p:pic>
       <p:sp>
         <p:nvSpPr>
-          <p:cNvPr id="7" name="Title"/>
+          <p:cNvPr id="7" name="Title">
+            <a:extLst>
+              <a:ext uri="{FF2B5EF4-FFF2-40B4-BE49-F238E27FC236}">
+                <a16:creationId xmlns:a16="http://schemas.microsoft.com/office/drawing/2014/main" id="{A045BD10-3A45-E345-1E06-8815DE09B9D4}"/>
+              </a:ext>
+            </a:extLst>
+          </p:cNvPr>
           <p:cNvSpPr/>
           <p:nvPr/>
         </p:nvSpPr>
@@ -3005,7 +3181,13 @@
       </p:sp>
       <p:sp>
         <p:nvSpPr>
-          <p:cNvPr id="8" name="Header 2"/>
+          <p:cNvPr id="8" name="Header 2">
+            <a:extLst>
+              <a:ext uri="{FF2B5EF4-FFF2-40B4-BE49-F238E27FC236}">
+                <a16:creationId xmlns:a16="http://schemas.microsoft.com/office/drawing/2014/main" id="{461D9A1F-3F44-FB71-350E-493FDA4DB0AC}"/>
+              </a:ext>
+            </a:extLst>
+          </p:cNvPr>
           <p:cNvSpPr/>
           <p:nvPr/>
         </p:nvSpPr>
@@ -3048,7 +3230,13 @@
       </p:sp>
       <p:sp>
         <p:nvSpPr>
-          <p:cNvPr id="9" name="Header 2"/>
+          <p:cNvPr id="9" name="Header 2">
+            <a:extLst>
+              <a:ext uri="{FF2B5EF4-FFF2-40B4-BE49-F238E27FC236}">
+                <a16:creationId xmlns:a16="http://schemas.microsoft.com/office/drawing/2014/main" id="{FAF3C7F4-800F-456B-DE7F-FD1184A720E5}"/>
+              </a:ext>
+            </a:extLst>
+          </p:cNvPr>
           <p:cNvSpPr/>
           <p:nvPr/>
         </p:nvSpPr>
@@ -3090,6 +3278,11 @@
         </p:txBody>
       </p:sp>
     </p:spTree>
+    <p:extLst>
+      <p:ext uri="{BB962C8B-B14F-4D97-AF65-F5344CB8AC3E}">
+        <p14:creationId xmlns:p14="http://schemas.microsoft.com/office/powerpoint/2010/main" val="4151890231"/>
+      </p:ext>
+    </p:extLst>
   </p:cSld>
   <p:clrMapOvr>
     <a:masterClrMapping/>
@@ -3098,6 +3291,119 @@
 </file>
 
 <file path=ppt/slides/slide7.xml><?xml version="1.0" encoding="utf-8"?>
+<p:sld xmlns:a="http://schemas.openxmlformats.org/drawingml/2006/main" xmlns:r="http://schemas.openxmlformats.org/officeDocument/2006/relationships" xmlns:p="http://schemas.openxmlformats.org/presentationml/2006/main">
+  <p:cSld>
+    <p:spTree>
+      <p:nvGrpSpPr>
+        <p:cNvPr id="1" name="">
+          <a:extLst>
+            <a:ext uri="{FF2B5EF4-FFF2-40B4-BE49-F238E27FC236}">
+              <a16:creationId xmlns:a16="http://schemas.microsoft.com/office/drawing/2014/main" id="{1F252C5C-C70E-610F-688D-257F812D3066}"/>
+            </a:ext>
+          </a:extLst>
+        </p:cNvPr>
+        <p:cNvGrpSpPr/>
+        <p:nvPr/>
+      </p:nvGrpSpPr>
+      <p:grpSpPr>
+        <a:xfrm>
+          <a:off x="0" y="0"/>
+          <a:ext cx="0" cy="0"/>
+          <a:chOff x="0" y="0"/>
+          <a:chExt cx="0" cy="0"/>
+        </a:xfrm>
+      </p:grpSpPr>
+      <p:pic>
+        <p:nvPicPr>
+          <p:cNvPr id="2" name="5" descr="preencoded.png">
+            <a:extLst>
+              <a:ext uri="{FF2B5EF4-FFF2-40B4-BE49-F238E27FC236}">
+                <a16:creationId xmlns:a16="http://schemas.microsoft.com/office/drawing/2014/main" id="{4E18FB76-E99B-E5DB-9E1B-C766F20DA58A}"/>
+              </a:ext>
+            </a:extLst>
+          </p:cNvPr>
+          <p:cNvPicPr>
+            <a:picLocks noChangeAspect="1"/>
+          </p:cNvPicPr>
+          <p:nvPr/>
+        </p:nvPicPr>
+        <p:blipFill>
+          <a:blip r:embed="rId3"/>
+          <a:srcRect/>
+          <a:stretch/>
+        </p:blipFill>
+        <p:spPr>
+          <a:xfrm>
+            <a:off x="0" y="0"/>
+            <a:ext cx="18288000" cy="10287000"/>
+          </a:xfrm>
+          <a:prstGeom prst="rect">
+            <a:avLst/>
+          </a:prstGeom>
+        </p:spPr>
+      </p:pic>
+      <p:sp>
+        <p:nvSpPr>
+          <p:cNvPr id="3" name="Title">
+            <a:extLst>
+              <a:ext uri="{FF2B5EF4-FFF2-40B4-BE49-F238E27FC236}">
+                <a16:creationId xmlns:a16="http://schemas.microsoft.com/office/drawing/2014/main" id="{7CB3DD73-08AD-852B-88E9-5CDFEF4284A2}"/>
+              </a:ext>
+            </a:extLst>
+          </p:cNvPr>
+          <p:cNvSpPr/>
+          <p:nvPr/>
+        </p:nvSpPr>
+        <p:spPr>
+          <a:xfrm>
+            <a:off x="1287753" y="4403636"/>
+            <a:ext cx="15078075" cy="1095375"/>
+          </a:xfrm>
+          <a:prstGeom prst="rect">
+            <a:avLst/>
+          </a:prstGeom>
+          <a:noFill/>
+          <a:ln/>
+        </p:spPr>
+        <p:txBody>
+          <a:bodyPr wrap="square" lIns="0" tIns="0" rIns="0" bIns="0" rtlCol="0" anchor="t"/>
+          <a:lstStyle/>
+          <a:p>
+            <a:pPr marL="0" indent="0" algn="ctr">
+              <a:lnSpc>
+                <a:spcPct val="100000"/>
+              </a:lnSpc>
+              <a:buNone/>
+            </a:pPr>
+            <a:r>
+              <a:rPr lang="en-US" sz="7200" b="1" kern="0" spc="-150" dirty="0">
+                <a:solidFill>
+                  <a:srgbClr val="FFFFFF"/>
+                </a:solidFill>
+                <a:latin typeface="Syne" pitchFamily="2" charset="-18"/>
+                <a:ea typeface="Syne Bold" pitchFamily="34" charset="-122"/>
+                <a:cs typeface="Syne Bold" pitchFamily="34" charset="-120"/>
+              </a:rPr>
+              <a:t>Any Questions?</a:t>
+            </a:r>
+            <a:endParaRPr lang="en-US" sz="7200" dirty="0"/>
+          </a:p>
+        </p:txBody>
+      </p:sp>
+    </p:spTree>
+    <p:extLst>
+      <p:ext uri="{BB962C8B-B14F-4D97-AF65-F5344CB8AC3E}">
+        <p14:creationId xmlns:p14="http://schemas.microsoft.com/office/powerpoint/2010/main" val="690032244"/>
+      </p:ext>
+    </p:extLst>
+  </p:cSld>
+  <p:clrMapOvr>
+    <a:masterClrMapping/>
+  </p:clrMapOvr>
+</p:sld>
+</file>
+
+<file path=ppt/slides/slide8.xml><?xml version="1.0" encoding="utf-8"?>
 <p:sld xmlns:a="http://schemas.openxmlformats.org/drawingml/2006/main" xmlns:r="http://schemas.openxmlformats.org/officeDocument/2006/relationships" xmlns:p="http://schemas.openxmlformats.org/presentationml/2006/main">
   <p:cSld name="Slide 7">
     <p:spTree>
